--- a/harish.pptx
+++ b/harish.pptx
@@ -5,22 +5,21 @@
     <p:sldMasterId id="2147484012" r:id="rId1"/>
   </p:sldMasterIdLst>
   <p:notesMasterIdLst>
-    <p:notesMasterId r:id="rId10"/>
+    <p:notesMasterId r:id="rId9"/>
   </p:notesMasterIdLst>
   <p:sldIdLst>
     <p:sldId id="256" r:id="rId2"/>
     <p:sldId id="258" r:id="rId3"/>
     <p:sldId id="259" r:id="rId4"/>
     <p:sldId id="260" r:id="rId5"/>
-    <p:sldId id="261" r:id="rId6"/>
-    <p:sldId id="262" r:id="rId7"/>
-    <p:sldId id="263" r:id="rId8"/>
-    <p:sldId id="264" r:id="rId9"/>
+    <p:sldId id="262" r:id="rId6"/>
+    <p:sldId id="263" r:id="rId7"/>
+    <p:sldId id="264" r:id="rId8"/>
   </p:sldIdLst>
   <p:sldSz cx="9144000" cy="6858000" type="screen4x3"/>
   <p:notesSz cx="6858000" cy="9144000"/>
   <p:custDataLst>
-    <p:tags r:id="rId11"/>
+    <p:tags r:id="rId10"/>
   </p:custDataLst>
   <p:defaultTextStyle>
     <a:defPPr>
@@ -218,7 +217,7 @@
           <a:p>
             <a:fld id="{7D7BC1E4-2B41-4F66-AAEC-2D9CB4E35196}" type="datetimeFigureOut">
               <a:rPr lang="en-IN" smtClean="0"/>
-              <a:t>03-02-2021</a:t>
+              <a:t>04-02-2021</a:t>
             </a:fld>
             <a:endParaRPr lang="en-IN"/>
           </a:p>
@@ -571,7 +570,7 @@
           <a:p>
             <a:fld id="{2F3BA915-C07E-4AB7-8476-6178DD7DF043}" type="slidenum">
               <a:rPr lang="en-US" smtClean="0"/>
-              <a:t>6</a:t>
+              <a:t>5</a:t>
             </a:fld>
             <a:endParaRPr lang="en-US"/>
           </a:p>
@@ -675,7 +674,7 @@
           <a:p>
             <a:fld id="{2F3BA915-C07E-4AB7-8476-6178DD7DF043}" type="slidenum">
               <a:rPr lang="en-US" smtClean="0"/>
-              <a:t>7</a:t>
+              <a:t>6</a:t>
             </a:fld>
             <a:endParaRPr lang="en-US"/>
           </a:p>
@@ -779,7 +778,7 @@
           <a:p>
             <a:fld id="{2F3BA915-C07E-4AB7-8476-6178DD7DF043}" type="slidenum">
               <a:rPr lang="en-US" smtClean="0"/>
-              <a:t>8</a:t>
+              <a:t>7</a:t>
             </a:fld>
             <a:endParaRPr lang="en-US"/>
           </a:p>
@@ -984,7 +983,7 @@
           <a:p>
             <a:fld id="{F73F0BFC-2C88-4AAF-B42F-33B416312C7A}" type="datetimeFigureOut">
               <a:rPr lang="en-US" smtClean="0"/>
-              <a:t>2/3/2021</a:t>
+              <a:t>2/4/2021</a:t>
             </a:fld>
             <a:endParaRPr lang="en-US"/>
           </a:p>
@@ -1259,7 +1258,7 @@
           <a:p>
             <a:fld id="{F73F0BFC-2C88-4AAF-B42F-33B416312C7A}" type="datetimeFigureOut">
               <a:rPr lang="en-US" smtClean="0"/>
-              <a:t>2/3/2021</a:t>
+              <a:t>2/4/2021</a:t>
             </a:fld>
             <a:endParaRPr lang="en-US"/>
           </a:p>
@@ -1453,7 +1452,7 @@
           <a:p>
             <a:fld id="{F73F0BFC-2C88-4AAF-B42F-33B416312C7A}" type="datetimeFigureOut">
               <a:rPr lang="en-US" smtClean="0"/>
-              <a:t>2/3/2021</a:t>
+              <a:t>2/4/2021</a:t>
             </a:fld>
             <a:endParaRPr lang="en-US"/>
           </a:p>
@@ -1726,7 +1725,7 @@
           <a:p>
             <a:fld id="{F73F0BFC-2C88-4AAF-B42F-33B416312C7A}" type="datetimeFigureOut">
               <a:rPr lang="en-US" smtClean="0"/>
-              <a:t>2/3/2021</a:t>
+              <a:t>2/4/2021</a:t>
             </a:fld>
             <a:endParaRPr lang="en-US"/>
           </a:p>
@@ -2067,7 +2066,7 @@
           <a:p>
             <a:fld id="{F73F0BFC-2C88-4AAF-B42F-33B416312C7A}" type="datetimeFigureOut">
               <a:rPr lang="en-US" smtClean="0"/>
-              <a:t>2/3/2021</a:t>
+              <a:t>2/4/2021</a:t>
             </a:fld>
             <a:endParaRPr lang="en-US"/>
           </a:p>
@@ -2690,7 +2689,7 @@
           <a:p>
             <a:fld id="{F73F0BFC-2C88-4AAF-B42F-33B416312C7A}" type="datetimeFigureOut">
               <a:rPr lang="en-US" smtClean="0"/>
-              <a:t>2/3/2021</a:t>
+              <a:t>2/4/2021</a:t>
             </a:fld>
             <a:endParaRPr lang="en-US"/>
           </a:p>
@@ -3550,7 +3549,7 @@
           <a:p>
             <a:fld id="{F73F0BFC-2C88-4AAF-B42F-33B416312C7A}" type="datetimeFigureOut">
               <a:rPr lang="en-US" smtClean="0"/>
-              <a:t>2/3/2021</a:t>
+              <a:t>2/4/2021</a:t>
             </a:fld>
             <a:endParaRPr lang="en-US"/>
           </a:p>
@@ -3720,7 +3719,7 @@
           <a:p>
             <a:fld id="{F73F0BFC-2C88-4AAF-B42F-33B416312C7A}" type="datetimeFigureOut">
               <a:rPr lang="en-US" smtClean="0"/>
-              <a:t>2/3/2021</a:t>
+              <a:t>2/4/2021</a:t>
             </a:fld>
             <a:endParaRPr lang="en-US"/>
           </a:p>
@@ -3900,7 +3899,7 @@
           <a:p>
             <a:fld id="{F73F0BFC-2C88-4AAF-B42F-33B416312C7A}" type="datetimeFigureOut">
               <a:rPr lang="en-US" smtClean="0"/>
-              <a:t>2/3/2021</a:t>
+              <a:t>2/4/2021</a:t>
             </a:fld>
             <a:endParaRPr lang="en-US"/>
           </a:p>
@@ -4070,7 +4069,7 @@
           <a:p>
             <a:fld id="{F73F0BFC-2C88-4AAF-B42F-33B416312C7A}" type="datetimeFigureOut">
               <a:rPr lang="en-US" smtClean="0"/>
-              <a:t>2/3/2021</a:t>
+              <a:t>2/4/2021</a:t>
             </a:fld>
             <a:endParaRPr lang="en-US"/>
           </a:p>
@@ -4317,7 +4316,7 @@
           <a:p>
             <a:fld id="{F73F0BFC-2C88-4AAF-B42F-33B416312C7A}" type="datetimeFigureOut">
               <a:rPr lang="en-US" smtClean="0"/>
-              <a:t>2/3/2021</a:t>
+              <a:t>2/4/2021</a:t>
             </a:fld>
             <a:endParaRPr lang="en-US"/>
           </a:p>
@@ -4609,7 +4608,7 @@
           <a:p>
             <a:fld id="{F73F0BFC-2C88-4AAF-B42F-33B416312C7A}" type="datetimeFigureOut">
               <a:rPr lang="en-US" smtClean="0"/>
-              <a:t>2/3/2021</a:t>
+              <a:t>2/4/2021</a:t>
             </a:fld>
             <a:endParaRPr lang="en-US"/>
           </a:p>
@@ -5053,7 +5052,7 @@
           <a:p>
             <a:fld id="{F73F0BFC-2C88-4AAF-B42F-33B416312C7A}" type="datetimeFigureOut">
               <a:rPr lang="en-US" smtClean="0"/>
-              <a:t>2/3/2021</a:t>
+              <a:t>2/4/2021</a:t>
             </a:fld>
             <a:endParaRPr lang="en-US"/>
           </a:p>
@@ -5171,7 +5170,7 @@
           <a:p>
             <a:fld id="{F73F0BFC-2C88-4AAF-B42F-33B416312C7A}" type="datetimeFigureOut">
               <a:rPr lang="en-US" smtClean="0"/>
-              <a:t>2/3/2021</a:t>
+              <a:t>2/4/2021</a:t>
             </a:fld>
             <a:endParaRPr lang="en-US"/>
           </a:p>
@@ -5266,7 +5265,7 @@
           <a:p>
             <a:fld id="{F73F0BFC-2C88-4AAF-B42F-33B416312C7A}" type="datetimeFigureOut">
               <a:rPr lang="en-US" smtClean="0"/>
-              <a:t>2/3/2021</a:t>
+              <a:t>2/4/2021</a:t>
             </a:fld>
             <a:endParaRPr lang="en-US"/>
           </a:p>
@@ -5545,7 +5544,7 @@
           <a:p>
             <a:fld id="{F73F0BFC-2C88-4AAF-B42F-33B416312C7A}" type="datetimeFigureOut">
               <a:rPr lang="en-US" smtClean="0"/>
-              <a:t>2/3/2021</a:t>
+              <a:t>2/4/2021</a:t>
             </a:fld>
             <a:endParaRPr lang="en-US"/>
           </a:p>
@@ -5820,7 +5819,7 @@
           <a:p>
             <a:fld id="{F73F0BFC-2C88-4AAF-B42F-33B416312C7A}" type="datetimeFigureOut">
               <a:rPr lang="en-US" smtClean="0"/>
-              <a:t>2/3/2021</a:t>
+              <a:t>2/4/2021</a:t>
             </a:fld>
             <a:endParaRPr lang="en-US"/>
           </a:p>
@@ -6385,7 +6384,7 @@
           <a:p>
             <a:fld id="{F73F0BFC-2C88-4AAF-B42F-33B416312C7A}" type="datetimeFigureOut">
               <a:rPr lang="en-US" smtClean="0"/>
-              <a:t>2/3/2021</a:t>
+              <a:t>2/4/2021</a:t>
             </a:fld>
             <a:endParaRPr lang="en-US"/>
           </a:p>
@@ -6925,15 +6924,193 @@
         </p:nvSpPr>
         <p:spPr>
           <a:xfrm>
-            <a:off x="0" y="0"/>
-            <a:ext cx="9144000" cy="6858000"/>
+            <a:off x="-1" y="-38099"/>
+            <a:ext cx="9286876" cy="6896100"/>
           </a:xfrm>
         </p:spPr>
         <p:txBody>
-          <a:bodyPr/>
+          <a:bodyPr>
+            <a:normAutofit/>
+          </a:bodyPr>
           <a:lstStyle/>
           <a:p>
-            <a:endParaRPr lang="en-US" baseline="0" dirty="0" smtClean="0"/>
+            <a:endParaRPr lang="en-US" sz="2400" baseline="0" dirty="0" smtClean="0"/>
+          </a:p>
+          <a:p>
+            <a:endParaRPr lang="en-US" sz="2400" dirty="0"/>
+          </a:p>
+          <a:p>
+            <a:r>
+              <a:rPr lang="en-US" sz="2400" baseline="0" dirty="0" err="1" smtClean="0">
+                <a:solidFill>
+                  <a:schemeClr val="tx2"/>
+                </a:solidFill>
+              </a:rPr>
+              <a:t>Dewan</a:t>
+            </a:r>
+            <a:r>
+              <a:rPr lang="en-US" sz="2400" baseline="0" dirty="0" smtClean="0">
+                <a:solidFill>
+                  <a:schemeClr val="tx2"/>
+                </a:solidFill>
+              </a:rPr>
+              <a:t> bahadur  Padma </a:t>
+            </a:r>
+            <a:r>
+              <a:rPr lang="en-US" sz="2400" baseline="0" dirty="0" err="1" smtClean="0">
+                <a:solidFill>
+                  <a:schemeClr val="tx2"/>
+                </a:solidFill>
+              </a:rPr>
+              <a:t>rao</a:t>
+            </a:r>
+            <a:r>
+              <a:rPr lang="en-US" sz="2400" baseline="0" dirty="0" smtClean="0">
+                <a:solidFill>
+                  <a:schemeClr val="tx2"/>
+                </a:solidFill>
+              </a:rPr>
+              <a:t>  </a:t>
+            </a:r>
+            <a:r>
+              <a:rPr lang="en-US" sz="2400" baseline="0" dirty="0" err="1" smtClean="0">
+                <a:solidFill>
+                  <a:schemeClr val="tx2"/>
+                </a:solidFill>
+              </a:rPr>
+              <a:t>mudaliar</a:t>
+            </a:r>
+            <a:r>
+              <a:rPr lang="en-US" sz="2400" baseline="0" dirty="0" smtClean="0">
+                <a:solidFill>
+                  <a:schemeClr val="tx2"/>
+                </a:solidFill>
+              </a:rPr>
+              <a:t> </a:t>
+            </a:r>
+          </a:p>
+          <a:p>
+            <a:r>
+              <a:rPr lang="en-US" sz="2400" dirty="0" smtClean="0">
+                <a:solidFill>
+                  <a:schemeClr val="tx2"/>
+                </a:solidFill>
+              </a:rPr>
+              <a:t>Degree &amp; </a:t>
+            </a:r>
+            <a:r>
+              <a:rPr lang="en-US" sz="2400" dirty="0" err="1" smtClean="0">
+                <a:solidFill>
+                  <a:schemeClr val="tx2"/>
+                </a:solidFill>
+              </a:rPr>
+              <a:t>pg</a:t>
+            </a:r>
+            <a:r>
+              <a:rPr lang="en-US" sz="2400" dirty="0" smtClean="0">
+                <a:solidFill>
+                  <a:schemeClr val="tx2"/>
+                </a:solidFill>
+              </a:rPr>
+              <a:t> college </a:t>
+            </a:r>
+          </a:p>
+          <a:p>
+            <a:endParaRPr lang="en-US" sz="2400" dirty="0" smtClean="0"/>
+          </a:p>
+          <a:p>
+            <a:r>
+              <a:rPr lang="en-US" sz="2400" dirty="0" smtClean="0">
+                <a:solidFill>
+                  <a:schemeClr val="tx1"/>
+                </a:solidFill>
+              </a:rPr>
+              <a:t>Student name-</a:t>
+            </a:r>
+            <a:r>
+              <a:rPr lang="en-US" sz="2400" dirty="0" err="1" smtClean="0">
+                <a:solidFill>
+                  <a:schemeClr val="tx1"/>
+                </a:solidFill>
+              </a:rPr>
+              <a:t>ch.</a:t>
+            </a:r>
+            <a:r>
+              <a:rPr lang="en-US" sz="2400" dirty="0" smtClean="0">
+                <a:solidFill>
+                  <a:schemeClr val="tx1"/>
+                </a:solidFill>
+              </a:rPr>
+              <a:t> </a:t>
+            </a:r>
+            <a:r>
+              <a:rPr lang="en-US" sz="2400" dirty="0" err="1" smtClean="0">
+                <a:solidFill>
+                  <a:schemeClr val="tx1"/>
+                </a:solidFill>
+              </a:rPr>
+              <a:t>anusha</a:t>
+            </a:r>
+            <a:endParaRPr lang="en-US" sz="2400" dirty="0" smtClean="0">
+              <a:solidFill>
+                <a:schemeClr val="tx1"/>
+              </a:solidFill>
+            </a:endParaRPr>
+          </a:p>
+          <a:p>
+            <a:r>
+              <a:rPr lang="en-US" sz="2400" dirty="0" smtClean="0">
+                <a:solidFill>
+                  <a:schemeClr val="tx1"/>
+                </a:solidFill>
+              </a:rPr>
+              <a:t>Subject-advance accounting</a:t>
+            </a:r>
+          </a:p>
+          <a:p>
+            <a:r>
+              <a:rPr lang="en-US" sz="2400" dirty="0" smtClean="0">
+                <a:solidFill>
+                  <a:schemeClr val="tx1"/>
+                </a:solidFill>
+              </a:rPr>
+              <a:t> topic –lease accounting as -19</a:t>
+            </a:r>
+          </a:p>
+          <a:p>
+            <a:r>
+              <a:rPr lang="en-US" sz="2400" baseline="0" dirty="0" smtClean="0">
+                <a:solidFill>
+                  <a:schemeClr val="tx1"/>
+                </a:solidFill>
+              </a:rPr>
+              <a:t>Roll number-107819408031</a:t>
+            </a:r>
+          </a:p>
+          <a:p>
+            <a:r>
+              <a:rPr lang="en-US" sz="2400" dirty="0" smtClean="0">
+                <a:solidFill>
+                  <a:schemeClr val="tx1"/>
+                </a:solidFill>
+              </a:rPr>
+              <a:t>Semester-3</a:t>
+            </a:r>
+          </a:p>
+          <a:p>
+            <a:r>
+              <a:rPr lang="en-US" sz="2400" baseline="0" dirty="0" smtClean="0">
+                <a:solidFill>
+                  <a:schemeClr val="tx1"/>
+                </a:solidFill>
+              </a:rPr>
+              <a:t>Group m.com</a:t>
+            </a:r>
+            <a:endParaRPr lang="en-US" sz="2400" baseline="0" dirty="0" smtClean="0">
+              <a:solidFill>
+                <a:schemeClr val="tx1"/>
+              </a:solidFill>
+            </a:endParaRPr>
           </a:p>
         </p:txBody>
       </p:sp>
@@ -7346,7 +7523,6 @@
               <a:rPr lang="en-IN" dirty="0"/>
               <a:t>lease </a:t>
             </a:r>
-            <a:endParaRPr lang="en-IN" dirty="0"/>
           </a:p>
           <a:p>
             <a:endParaRPr lang="en-IN" dirty="0" smtClean="0"/>
@@ -7441,7 +7617,7 @@
         </p:spPr>
         <p:txBody>
           <a:bodyPr>
-            <a:normAutofit lnSpcReduction="10000"/>
+            <a:normAutofit/>
           </a:bodyPr>
           <a:lstStyle/>
           <a:p>
@@ -7539,15 +7715,7 @@
             </a:r>
             <a:r>
               <a:rPr lang="en-IN" dirty="0"/>
-              <a:t>    the asset cost . the lessor finances only </a:t>
-            </a:r>
-            <a:r>
-              <a:rPr lang="en-IN" dirty="0" err="1"/>
-              <a:t>arelativels</a:t>
-            </a:r>
-            <a:r>
-              <a:rPr lang="en-IN" dirty="0"/>
-              <a:t>  small part of the lesser investment . just like any other lease, the third party lender is usually a bot or a financial institution.</a:t>
+              <a:t>    the asset cost . </a:t>
             </a:r>
           </a:p>
           <a:p>
@@ -7600,202 +7768,6 @@
           <a:chExt cx="0" cy="0"/>
         </a:xfrm>
       </p:grpSpPr>
-      <p:sp>
-        <p:nvSpPr>
-          <p:cNvPr id="3" name="Subtitle 2"/>
-          <p:cNvSpPr>
-            <a:spLocks noGrp="1"/>
-          </p:cNvSpPr>
-          <p:nvPr>
-            <p:ph type="subTitle" idx="1"/>
-          </p:nvPr>
-        </p:nvSpPr>
-        <p:spPr>
-          <a:xfrm>
-            <a:off x="0" y="0"/>
-            <a:ext cx="9144000" cy="6858000"/>
-          </a:xfrm>
-        </p:spPr>
-        <p:txBody>
-          <a:bodyPr>
-            <a:normAutofit/>
-          </a:bodyPr>
-          <a:lstStyle/>
-          <a:p>
-            <a:endParaRPr lang="en-IN" dirty="0" smtClean="0"/>
-          </a:p>
-          <a:p>
-            <a:endParaRPr lang="en-IN" dirty="0"/>
-          </a:p>
-          <a:p>
-            <a:r>
-              <a:rPr lang="en-IN" dirty="0" smtClean="0"/>
-              <a:t>	DIFFERENCES </a:t>
-            </a:r>
-            <a:r>
-              <a:rPr lang="en-IN" dirty="0"/>
-              <a:t>BETWEEN FINANCIAL </a:t>
-            </a:r>
-            <a:endParaRPr lang="en-IN" dirty="0"/>
-          </a:p>
-          <a:p>
-            <a:r>
-              <a:rPr lang="en-IN" dirty="0" smtClean="0"/>
-              <a:t>	 </a:t>
-            </a:r>
-            <a:r>
-              <a:rPr lang="en-IN" dirty="0"/>
-              <a:t>CAPITAL </a:t>
-            </a:r>
-            <a:r>
-              <a:rPr lang="en-IN" dirty="0"/>
-              <a:t> </a:t>
-            </a:r>
-            <a:r>
-              <a:rPr lang="en-IN" dirty="0" smtClean="0"/>
-              <a:t> VS </a:t>
-            </a:r>
-            <a:r>
-              <a:rPr lang="en-IN" dirty="0"/>
-              <a:t>OPERATING </a:t>
-            </a:r>
-            <a:r>
-              <a:rPr lang="en-IN" dirty="0" smtClean="0"/>
-              <a:t>LEASE</a:t>
-            </a:r>
-          </a:p>
-          <a:p>
-            <a:r>
-              <a:rPr lang="en-IN" dirty="0" smtClean="0"/>
-              <a:t>- </a:t>
-            </a:r>
-            <a:r>
-              <a:rPr lang="en-IN" dirty="0"/>
-              <a:t>the </a:t>
-            </a:r>
-            <a:endParaRPr lang="en-IN" dirty="0" smtClean="0"/>
-          </a:p>
-          <a:p>
-            <a:pPr marL="342900" indent="-342900">
-              <a:buFont typeface="Arial" panose="020B0604020202020204" pitchFamily="34" charset="0"/>
-              <a:buChar char="•"/>
-            </a:pPr>
-            <a:r>
-              <a:rPr lang="en-IN" dirty="0" smtClean="0"/>
-              <a:t>operating </a:t>
-            </a:r>
-            <a:r>
-              <a:rPr lang="en-IN" dirty="0"/>
-              <a:t>lease As per as- 19, lease other than a finance is an operating lease A lease .A lease is classified as an operating lease if it the finance is </a:t>
-            </a:r>
-            <a:r>
-              <a:rPr lang="en-IN" dirty="0" err="1"/>
-              <a:t>anable</a:t>
-            </a:r>
-            <a:r>
-              <a:rPr lang="en-IN" dirty="0"/>
-              <a:t> to  recover its capital outlay plus a return on  the funds invested meaning the lease is less than the full expected useful life of the </a:t>
-            </a:r>
-            <a:r>
-              <a:rPr lang="en-IN" dirty="0" smtClean="0"/>
-              <a:t>asset.</a:t>
-            </a:r>
-          </a:p>
-          <a:p>
-            <a:endParaRPr lang="en-US" dirty="0" smtClean="0"/>
-          </a:p>
-          <a:p>
-            <a:pPr marL="342900" indent="-342900">
-              <a:buFont typeface="Arial" panose="020B0604020202020204" pitchFamily="34" charset="0"/>
-              <a:buChar char="•"/>
-            </a:pPr>
-            <a:r>
-              <a:rPr lang="en-IN" dirty="0" smtClean="0"/>
-              <a:t>leveraged </a:t>
-            </a:r>
-            <a:r>
-              <a:rPr lang="en-IN" dirty="0"/>
-              <a:t>lease –in case of a leveraged coming from a third  lessor is only </a:t>
-            </a:r>
-            <a:r>
-              <a:rPr lang="en-IN" dirty="0" err="1" smtClean="0"/>
-              <a:t>from.Ending</a:t>
-            </a:r>
-            <a:r>
-              <a:rPr lang="en-IN" dirty="0" smtClean="0"/>
-              <a:t> </a:t>
-            </a:r>
-            <a:r>
-              <a:rPr lang="en-IN" dirty="0"/>
-              <a:t>the lease deal , with bulk of financing coming from a  third party lessee .the lessor approaches a third party lender , who finances the major </a:t>
-            </a:r>
-            <a:r>
-              <a:rPr lang="en-IN" dirty="0" err="1"/>
-              <a:t>portince</a:t>
-            </a:r>
-            <a:r>
-              <a:rPr lang="en-IN" dirty="0"/>
-              <a:t>    the asset cost . the lessor finances only </a:t>
-            </a:r>
-            <a:r>
-              <a:rPr lang="en-IN" dirty="0" err="1"/>
-              <a:t>arelativels</a:t>
-            </a:r>
-            <a:r>
-              <a:rPr lang="en-IN" dirty="0"/>
-              <a:t>  small part of the lesser investment . just like any other lease, the third party lender is usually a bot or a financial institution.</a:t>
-            </a:r>
-          </a:p>
-          <a:p>
-            <a:pPr marL="342900" indent="-342900">
-              <a:buFont typeface="Arial" panose="020B0604020202020204" pitchFamily="34" charset="0"/>
-              <a:buChar char="•"/>
-            </a:pPr>
-            <a:endParaRPr lang="en-IN" dirty="0">
-              <a:solidFill>
-                <a:srgbClr val="FF0000"/>
-              </a:solidFill>
-            </a:endParaRPr>
-          </a:p>
-        </p:txBody>
-      </p:sp>
-    </p:spTree>
-    <p:extLst>
-      <p:ext uri="{BB962C8B-B14F-4D97-AF65-F5344CB8AC3E}">
-        <p14:creationId xmlns:p14="http://schemas.microsoft.com/office/powerpoint/2010/main" val="2408662820"/>
-      </p:ext>
-    </p:extLst>
-  </p:cSld>
-  <p:clrMapOvr>
-    <a:masterClrMapping/>
-  </p:clrMapOvr>
-  <p:timing>
-    <p:tnLst>
-      <p:par>
-        <p:cTn id="1" dur="indefinite" restart="never" nodeType="tmRoot"/>
-      </p:par>
-    </p:tnLst>
-  </p:timing>
-</p:sld>
-</file>
-
-<file path=ppt/slides/slide6.xml><?xml version="1.0" encoding="utf-8"?>
-<p:sld xmlns:a="http://schemas.openxmlformats.org/drawingml/2006/main" xmlns:r="http://schemas.openxmlformats.org/officeDocument/2006/relationships" xmlns:p="http://schemas.openxmlformats.org/presentationml/2006/main">
-  <p:cSld>
-    <p:spTree>
-      <p:nvGrpSpPr>
-        <p:cNvPr id="1" name=""/>
-        <p:cNvGrpSpPr/>
-        <p:nvPr/>
-      </p:nvGrpSpPr>
-      <p:grpSpPr>
-        <a:xfrm>
-          <a:off x="0" y="0"/>
-          <a:ext cx="0" cy="0"/>
-          <a:chOff x="0" y="0"/>
-          <a:chExt cx="0" cy="0"/>
-        </a:xfrm>
-      </p:grpSpPr>
       <p:graphicFrame>
         <p:nvGraphicFramePr>
           <p:cNvPr id="11" name="Object 10" hidden="1">
@@ -7823,7 +7795,7 @@
           <a:graphicData uri="http://schemas.openxmlformats.org/presentationml/2006/ole">
             <mc:AlternateContent xmlns:mc="http://schemas.openxmlformats.org/markup-compatibility/2006">
               <mc:Choice xmlns:v="urn:schemas-microsoft-com:vml" Requires="v">
-                <p:oleObj spid="_x0000_s1037" name="think-cell Slide" r:id="rId5" imgW="383" imgH="384" progId="TCLayout.ActiveDocument.1">
+                <p:oleObj spid="_x0000_s1047" name="think-cell Slide" r:id="rId5" imgW="383" imgH="384" progId="TCLayout.ActiveDocument.1">
                   <p:embed/>
                 </p:oleObj>
               </mc:Choice>
@@ -7946,7 +7918,7 @@
           <a:p>
             <a:fld id="{97019847-F5C6-4FA6-BEBE-1B1AD729EBDF}" type="slidenum">
               <a:rPr lang="en-US" smtClean="0"/>
-              <a:t>6</a:t>
+              <a:t>5</a:t>
             </a:fld>
             <a:endParaRPr lang="en-US"/>
           </a:p>
@@ -8360,7 +8332,6 @@
               <a:rPr lang="en-IN" sz="1600" dirty="0"/>
               <a:t> asset is called an  operating lease. </a:t>
             </a:r>
-            <a:endParaRPr lang="en-IN" sz="1600" dirty="0"/>
           </a:p>
           <a:p>
             <a:endParaRPr lang="en-IN" sz="1600" dirty="0"/>
@@ -8450,11 +8421,7 @@
             </a:r>
             <a:r>
               <a:rPr lang="en-IN" sz="1600" dirty="0"/>
-              <a:t>In a financial lease known as capital leased the risks and rewards related to ownership of the asset being leased are transferred  to the </a:t>
-            </a:r>
-            <a:r>
-              <a:rPr lang="en-IN" sz="1600" dirty="0"/>
-              <a:t>lease.</a:t>
+              <a:t>In a financial lease known as capital leased the risks and rewards related to ownership of the asset being leased are transferred  to the lease.</a:t>
             </a:r>
           </a:p>
           <a:p>
@@ -8470,11 +8437,7 @@
             </a:pPr>
             <a:r>
               <a:rPr lang="en-IN" sz="1600" dirty="0"/>
-              <a:t>lease  the ownership transfer option at the end of the lease period is available to the </a:t>
-            </a:r>
-            <a:r>
-              <a:rPr lang="en-IN" sz="1600" dirty="0"/>
-              <a:t>lease.</a:t>
+              <a:t>lease  the ownership transfer option at the end of the lease period is available to the lease.</a:t>
             </a:r>
             <a:endParaRPr lang="en-US" sz="1600" dirty="0">
               <a:latin typeface="Segoe UI" panose="020B0502040204020203" pitchFamily="34" charset="0"/>
@@ -8487,6 +8450,334 @@
     <p:extLst>
       <p:ext uri="{BB962C8B-B14F-4D97-AF65-F5344CB8AC3E}">
         <p14:creationId xmlns:p14="http://schemas.microsoft.com/office/powerpoint/2010/main" val="441448751"/>
+      </p:ext>
+    </p:extLst>
+  </p:cSld>
+  <p:clrMapOvr>
+    <a:masterClrMapping/>
+  </p:clrMapOvr>
+  <p:timing>
+    <p:tnLst>
+      <p:par>
+        <p:cTn id="1" dur="indefinite" restart="never" nodeType="tmRoot"/>
+      </p:par>
+    </p:tnLst>
+  </p:timing>
+</p:sld>
+</file>
+
+<file path=ppt/slides/slide6.xml><?xml version="1.0" encoding="utf-8"?>
+<p:sld xmlns:a="http://schemas.openxmlformats.org/drawingml/2006/main" xmlns:r="http://schemas.openxmlformats.org/officeDocument/2006/relationships" xmlns:p="http://schemas.openxmlformats.org/presentationml/2006/main">
+  <p:cSld>
+    <p:spTree>
+      <p:nvGrpSpPr>
+        <p:cNvPr id="1" name=""/>
+        <p:cNvGrpSpPr/>
+        <p:nvPr/>
+      </p:nvGrpSpPr>
+      <p:grpSpPr>
+        <a:xfrm>
+          <a:off x="0" y="0"/>
+          <a:ext cx="0" cy="0"/>
+          <a:chOff x="0" y="0"/>
+          <a:chExt cx="0" cy="0"/>
+        </a:xfrm>
+      </p:grpSpPr>
+      <p:graphicFrame>
+        <p:nvGraphicFramePr>
+          <p:cNvPr id="11" name="Object 10" hidden="1">
+            <a:extLst>
+              <a:ext uri="{FF2B5EF4-FFF2-40B4-BE49-F238E27FC236}">
+                <a16:creationId xmlns:a16="http://schemas.microsoft.com/office/drawing/2014/main" id="{A49AAF06-B86C-48F9-94EE-63373399CFC0}"/>
+              </a:ext>
+            </a:extLst>
+          </p:cNvPr>
+          <p:cNvGraphicFramePr>
+            <a:graphicFrameLocks noChangeAspect="1"/>
+          </p:cNvGraphicFramePr>
+          <p:nvPr>
+            <p:custDataLst>
+              <p:tags r:id="rId2"/>
+            </p:custDataLst>
+            <p:extLst/>
+          </p:nvPr>
+        </p:nvGraphicFramePr>
+        <p:xfrm>
+          <a:off x="1191" y="858441"/>
+          <a:ext cx="1191" cy="1191"/>
+        </p:xfrm>
+        <a:graphic>
+          <a:graphicData uri="http://schemas.openxmlformats.org/presentationml/2006/ole">
+            <mc:AlternateContent xmlns:mc="http://schemas.openxmlformats.org/markup-compatibility/2006">
+              <mc:Choice xmlns:v="urn:schemas-microsoft-com:vml" Requires="v">
+                <p:oleObj spid="_x0000_s2068" name="think-cell Slide" r:id="rId5" imgW="383" imgH="384" progId="TCLayout.ActiveDocument.1">
+                  <p:embed/>
+                </p:oleObj>
+              </mc:Choice>
+              <mc:Fallback>
+                <p:oleObj name="think-cell Slide" r:id="rId5" imgW="383" imgH="384" progId="TCLayout.ActiveDocument.1">
+                  <p:embed/>
+                  <p:pic>
+                    <p:nvPicPr>
+                      <p:cNvPr id="11" name="Object 10" hidden="1">
+                        <a:extLst>
+                          <a:ext uri="{FF2B5EF4-FFF2-40B4-BE49-F238E27FC236}">
+                            <a16:creationId xmlns:a16="http://schemas.microsoft.com/office/drawing/2014/main" id="{A49AAF06-B86C-48F9-94EE-63373399CFC0}"/>
+                          </a:ext>
+                        </a:extLst>
+                      </p:cNvPr>
+                      <p:cNvPicPr/>
+                      <p:nvPr/>
+                    </p:nvPicPr>
+                    <p:blipFill>
+                      <a:blip r:embed="rId6"/>
+                      <a:stretch>
+                        <a:fillRect/>
+                      </a:stretch>
+                    </p:blipFill>
+                    <p:spPr>
+                      <a:xfrm>
+                        <a:off x="1191" y="858441"/>
+                        <a:ext cx="1191" cy="1191"/>
+                      </a:xfrm>
+                      <a:prstGeom prst="rect">
+                        <a:avLst/>
+                      </a:prstGeom>
+                    </p:spPr>
+                  </p:pic>
+                </p:oleObj>
+              </mc:Fallback>
+            </mc:AlternateContent>
+          </a:graphicData>
+        </a:graphic>
+      </p:graphicFrame>
+      <p:sp>
+        <p:nvSpPr>
+          <p:cNvPr id="2" name="Title 1">
+            <a:extLst>
+              <a:ext uri="{FF2B5EF4-FFF2-40B4-BE49-F238E27FC236}">
+                <a16:creationId xmlns:a16="http://schemas.microsoft.com/office/drawing/2014/main" id="{38EBE480-02A9-48F2-9552-6B6C7A6D0ED2}"/>
+              </a:ext>
+            </a:extLst>
+          </p:cNvPr>
+          <p:cNvSpPr>
+            <a:spLocks noGrp="1"/>
+          </p:cNvSpPr>
+          <p:nvPr>
+            <p:ph type="title"/>
+          </p:nvPr>
+        </p:nvSpPr>
+        <p:spPr>
+          <a:xfrm>
+            <a:off x="-15239" y="457200"/>
+            <a:ext cx="8168640" cy="2324819"/>
+          </a:xfrm>
+        </p:spPr>
+        <p:txBody>
+          <a:bodyPr vert="horz">
+            <a:normAutofit/>
+          </a:bodyPr>
+          <a:lstStyle/>
+          <a:p>
+            <a:r>
+              <a:rPr lang="en-IN" sz="2400" dirty="0"/>
+              <a:t> </a:t>
+            </a:r>
+            <a:r>
+              <a:rPr lang="en-IN" sz="2400" dirty="0" smtClean="0"/>
+              <a:t>	</a:t>
+            </a:r>
+            <a:r>
+              <a:rPr lang="en-IN" sz="2400" dirty="0"/>
+              <a:t>ACCOUNTING TREATMENT OF A FINANCE LEASE IN THE BOOKS OF LESSES </a:t>
+            </a:r>
+            <a:endParaRPr lang="en-US" sz="2400" dirty="0"/>
+          </a:p>
+        </p:txBody>
+      </p:sp>
+      <p:sp>
+        <p:nvSpPr>
+          <p:cNvPr id="4" name="Slide Number Placeholder 3">
+            <a:extLst>
+              <a:ext uri="{FF2B5EF4-FFF2-40B4-BE49-F238E27FC236}">
+                <a16:creationId xmlns:a16="http://schemas.microsoft.com/office/drawing/2014/main" id="{CC107013-A358-417F-A917-9050EF824AE3}"/>
+              </a:ext>
+            </a:extLst>
+          </p:cNvPr>
+          <p:cNvSpPr>
+            <a:spLocks noGrp="1"/>
+          </p:cNvSpPr>
+          <p:nvPr>
+            <p:ph type="sldNum" sz="quarter" idx="12"/>
+          </p:nvPr>
+        </p:nvSpPr>
+        <p:spPr/>
+        <p:txBody>
+          <a:bodyPr/>
+          <a:lstStyle/>
+          <a:p>
+            <a:fld id="{97019847-F5C6-4FA6-BEBE-1B1AD729EBDF}" type="slidenum">
+              <a:rPr lang="en-US" smtClean="0"/>
+              <a:t>6</a:t>
+            </a:fld>
+            <a:endParaRPr lang="en-US" dirty="0"/>
+          </a:p>
+        </p:txBody>
+      </p:sp>
+      <p:sp>
+        <p:nvSpPr>
+          <p:cNvPr id="19" name="Rectangle 18">
+            <a:extLst>
+              <a:ext uri="{FF2B5EF4-FFF2-40B4-BE49-F238E27FC236}">
+                <a16:creationId xmlns:a16="http://schemas.microsoft.com/office/drawing/2014/main" id="{7C68770C-8339-4137-8AB0-6C13C8C7C01E}"/>
+              </a:ext>
+            </a:extLst>
+          </p:cNvPr>
+          <p:cNvSpPr/>
+          <p:nvPr/>
+        </p:nvSpPr>
+        <p:spPr>
+          <a:xfrm>
+            <a:off x="197427" y="2976995"/>
+            <a:ext cx="2831523" cy="2279909"/>
+          </a:xfrm>
+          <a:prstGeom prst="rect">
+            <a:avLst/>
+          </a:prstGeom>
+        </p:spPr>
+        <p:txBody>
+          <a:bodyPr wrap="square" lIns="0" tIns="0" rIns="0" bIns="0" anchor="t" anchorCtr="0">
+            <a:noAutofit/>
+          </a:bodyPr>
+          <a:lstStyle/>
+          <a:p>
+            <a:pPr marL="257175" indent="-257175">
+              <a:spcAft>
+                <a:spcPts val="1350"/>
+              </a:spcAft>
+              <a:buClr>
+                <a:srgbClr val="F0424D"/>
+              </a:buClr>
+              <a:buFont typeface="Arial" panose="020B0604020202020204" pitchFamily="34" charset="0"/>
+              <a:buChar char="•"/>
+            </a:pPr>
+            <a:endParaRPr lang="en-US" dirty="0">
+              <a:solidFill>
+                <a:schemeClr val="tx2"/>
+              </a:solidFill>
+              <a:latin typeface="Segoe UI" panose="020B0502040204020203" pitchFamily="34" charset="0"/>
+              <a:cs typeface="Segoe UI" panose="020B0502040204020203" pitchFamily="34" charset="0"/>
+            </a:endParaRPr>
+          </a:p>
+        </p:txBody>
+      </p:sp>
+      <p:sp>
+        <p:nvSpPr>
+          <p:cNvPr id="20" name="Rectangle 19">
+            <a:extLst>
+              <a:ext uri="{FF2B5EF4-FFF2-40B4-BE49-F238E27FC236}">
+                <a16:creationId xmlns:a16="http://schemas.microsoft.com/office/drawing/2014/main" id="{C8CBE97B-8A09-465A-8DE0-C238EEB13126}"/>
+              </a:ext>
+            </a:extLst>
+          </p:cNvPr>
+          <p:cNvSpPr/>
+          <p:nvPr/>
+        </p:nvSpPr>
+        <p:spPr>
+          <a:xfrm>
+            <a:off x="304800" y="1828800"/>
+            <a:ext cx="8686799" cy="5029199"/>
+          </a:xfrm>
+          <a:prstGeom prst="rect">
+            <a:avLst/>
+          </a:prstGeom>
+        </p:spPr>
+        <p:txBody>
+          <a:bodyPr wrap="square" lIns="0" tIns="0" rIns="0" bIns="0" anchor="t" anchorCtr="0">
+            <a:noAutofit/>
+          </a:bodyPr>
+          <a:lstStyle/>
+          <a:p>
+            <a:r>
+              <a:rPr lang="en-IN" dirty="0"/>
+              <a:t>The lessor is entitled to receive royalty from the lessee here royalty would be an income to the lessor. The entries would therefore be the reverse of those made in the in the lessee’ books. </a:t>
+            </a:r>
+            <a:endParaRPr lang="en-IN" sz="1200" dirty="0">
+              <a:solidFill>
+                <a:schemeClr val="bg2"/>
+              </a:solidFill>
+              <a:latin typeface="Segoe UI" panose="020B0502040204020203" pitchFamily="34" charset="0"/>
+              <a:cs typeface="Segoe UI" panose="020B0502040204020203" pitchFamily="34" charset="0"/>
+            </a:endParaRPr>
+          </a:p>
+          <a:p>
+            <a:endParaRPr lang="en-IN" sz="1200" dirty="0">
+              <a:solidFill>
+                <a:schemeClr val="bg2"/>
+              </a:solidFill>
+              <a:latin typeface="Segoe UI" panose="020B0502040204020203" pitchFamily="34" charset="0"/>
+              <a:cs typeface="Segoe UI" panose="020B0502040204020203" pitchFamily="34" charset="0"/>
+            </a:endParaRPr>
+          </a:p>
+          <a:p>
+            <a:endParaRPr lang="en-US" sz="1200" dirty="0">
+              <a:solidFill>
+                <a:schemeClr val="bg1"/>
+              </a:solidFill>
+              <a:latin typeface="Segoe UI" panose="020B0502040204020203" pitchFamily="34" charset="0"/>
+              <a:cs typeface="Segoe UI" panose="020B0502040204020203" pitchFamily="34" charset="0"/>
+            </a:endParaRPr>
+          </a:p>
+        </p:txBody>
+      </p:sp>
+      <p:sp>
+        <p:nvSpPr>
+          <p:cNvPr id="21" name="Rectangle 20">
+            <a:extLst>
+              <a:ext uri="{FF2B5EF4-FFF2-40B4-BE49-F238E27FC236}">
+                <a16:creationId xmlns:a16="http://schemas.microsoft.com/office/drawing/2014/main" id="{D23118AC-084F-4C68-B95F-0EC13530F94C}"/>
+              </a:ext>
+            </a:extLst>
+          </p:cNvPr>
+          <p:cNvSpPr/>
+          <p:nvPr/>
+        </p:nvSpPr>
+        <p:spPr>
+          <a:xfrm>
+            <a:off x="6149914" y="2782019"/>
+            <a:ext cx="2677716" cy="2474885"/>
+          </a:xfrm>
+          <a:prstGeom prst="rect">
+            <a:avLst/>
+          </a:prstGeom>
+        </p:spPr>
+        <p:txBody>
+          <a:bodyPr wrap="square" lIns="0" tIns="0" rIns="0" bIns="0" anchor="t" anchorCtr="0">
+            <a:noAutofit/>
+          </a:bodyPr>
+          <a:lstStyle/>
+          <a:p>
+            <a:pPr marL="257175" indent="-257175">
+              <a:spcAft>
+                <a:spcPts val="1350"/>
+              </a:spcAft>
+              <a:buClr>
+                <a:srgbClr val="70AD47"/>
+              </a:buClr>
+              <a:buFont typeface="Arial" panose="020B0604020202020204" pitchFamily="34" charset="0"/>
+              <a:buChar char="•"/>
+            </a:pPr>
+            <a:endParaRPr lang="en-US" sz="1600" dirty="0">
+              <a:latin typeface="Segoe UI" panose="020B0502040204020203" pitchFamily="34" charset="0"/>
+              <a:cs typeface="Segoe UI" panose="020B0502040204020203" pitchFamily="34" charset="0"/>
+            </a:endParaRPr>
+          </a:p>
+        </p:txBody>
+      </p:sp>
+    </p:spTree>
+    <p:extLst>
+      <p:ext uri="{BB962C8B-B14F-4D97-AF65-F5344CB8AC3E}">
+        <p14:creationId xmlns:p14="http://schemas.microsoft.com/office/powerpoint/2010/main" val="2407597228"/>
       </p:ext>
     </p:extLst>
   </p:cSld>
@@ -8547,7 +8838,7 @@
           <a:graphicData uri="http://schemas.openxmlformats.org/presentationml/2006/ole">
             <mc:AlternateContent xmlns:mc="http://schemas.openxmlformats.org/markup-compatibility/2006">
               <mc:Choice xmlns:v="urn:schemas-microsoft-com:vml" Requires="v">
-                <p:oleObj spid="_x0000_s2058" name="think-cell Slide" r:id="rId5" imgW="383" imgH="384" progId="TCLayout.ActiveDocument.1">
+                <p:oleObj spid="_x0000_s3092" name="think-cell Slide" r:id="rId5" imgW="383" imgH="384" progId="TCLayout.ActiveDocument.1">
                   <p:embed/>
                 </p:oleObj>
               </mc:Choice>
@@ -8606,8 +8897,8 @@
         </p:nvSpPr>
         <p:spPr>
           <a:xfrm>
-            <a:off x="-15239" y="457200"/>
-            <a:ext cx="8168640" cy="2324819"/>
+            <a:off x="-15240" y="457200"/>
+            <a:ext cx="9159239" cy="6400799"/>
           </a:xfrm>
         </p:spPr>
         <p:txBody>
@@ -8617,16 +8908,47 @@
           <a:lstStyle/>
           <a:p>
             <a:r>
-              <a:rPr lang="en-IN" sz="2400" dirty="0"/>
-              <a:t> </a:t>
-            </a:r>
-            <a:r>
-              <a:rPr lang="en-IN" sz="2400" dirty="0" smtClean="0"/>
+              <a:rPr lang="en-US" sz="2400" dirty="0" smtClean="0"/>
+              <a:t>							</a:t>
+            </a:r>
+            <a:br>
+              <a:rPr lang="en-US" sz="2400" dirty="0" smtClean="0"/>
+            </a:br>
+            <a:r>
+              <a:rPr lang="en-US" sz="2400" dirty="0"/>
+              <a:t/>
+            </a:r>
+            <a:br>
+              <a:rPr lang="en-US" sz="2400" dirty="0"/>
+            </a:br>
+            <a:r>
+              <a:rPr lang="en-US" sz="2400" dirty="0" smtClean="0"/>
+              <a:t/>
+            </a:r>
+            <a:br>
+              <a:rPr lang="en-US" sz="2400" dirty="0" smtClean="0"/>
+            </a:br>
+            <a:r>
+              <a:rPr lang="en-US" sz="2400" dirty="0"/>
+              <a:t/>
+            </a:r>
+            <a:br>
+              <a:rPr lang="en-US" sz="2400" dirty="0"/>
+            </a:br>
+            <a:r>
+              <a:rPr lang="en-US" sz="2400" dirty="0" smtClean="0"/>
+              <a:t/>
+            </a:r>
+            <a:br>
+              <a:rPr lang="en-US" sz="2400" dirty="0" smtClean="0"/>
+            </a:br>
+            <a:r>
+              <a:rPr lang="en-US" sz="2400" dirty="0"/>
               <a:t>	</a:t>
             </a:r>
             <a:r>
-              <a:rPr lang="en-IN" sz="2400" dirty="0"/>
-              <a:t>ACCOUNTING TREATMENT OF A FINANCE LEASE IN THE BOOKS OF LESSES </a:t>
+              <a:rPr lang="en-US" sz="2400" dirty="0" smtClean="0"/>
+              <a:t>						Thank You</a:t>
             </a:r>
             <a:endParaRPr lang="en-US" sz="2400" dirty="0"/>
           </a:p>
@@ -8656,365 +8978,6 @@
             <a:fld id="{97019847-F5C6-4FA6-BEBE-1B1AD729EBDF}" type="slidenum">
               <a:rPr lang="en-US" smtClean="0"/>
               <a:t>7</a:t>
-            </a:fld>
-            <a:endParaRPr lang="en-US" dirty="0"/>
-          </a:p>
-        </p:txBody>
-      </p:sp>
-      <p:sp>
-        <p:nvSpPr>
-          <p:cNvPr id="19" name="Rectangle 18">
-            <a:extLst>
-              <a:ext uri="{FF2B5EF4-FFF2-40B4-BE49-F238E27FC236}">
-                <a16:creationId xmlns:a16="http://schemas.microsoft.com/office/drawing/2014/main" id="{7C68770C-8339-4137-8AB0-6C13C8C7C01E}"/>
-              </a:ext>
-            </a:extLst>
-          </p:cNvPr>
-          <p:cNvSpPr/>
-          <p:nvPr/>
-        </p:nvSpPr>
-        <p:spPr>
-          <a:xfrm>
-            <a:off x="197427" y="2976995"/>
-            <a:ext cx="2831523" cy="2279909"/>
-          </a:xfrm>
-          <a:prstGeom prst="rect">
-            <a:avLst/>
-          </a:prstGeom>
-        </p:spPr>
-        <p:txBody>
-          <a:bodyPr wrap="square" lIns="0" tIns="0" rIns="0" bIns="0" anchor="t" anchorCtr="0">
-            <a:noAutofit/>
-          </a:bodyPr>
-          <a:lstStyle/>
-          <a:p>
-            <a:pPr marL="257175" indent="-257175">
-              <a:spcAft>
-                <a:spcPts val="1350"/>
-              </a:spcAft>
-              <a:buClr>
-                <a:srgbClr val="F0424D"/>
-              </a:buClr>
-              <a:buFont typeface="Arial" panose="020B0604020202020204" pitchFamily="34" charset="0"/>
-              <a:buChar char="•"/>
-            </a:pPr>
-            <a:endParaRPr lang="en-US" dirty="0">
-              <a:solidFill>
-                <a:schemeClr val="tx2"/>
-              </a:solidFill>
-              <a:latin typeface="Segoe UI" panose="020B0502040204020203" pitchFamily="34" charset="0"/>
-              <a:cs typeface="Segoe UI" panose="020B0502040204020203" pitchFamily="34" charset="0"/>
-            </a:endParaRPr>
-          </a:p>
-        </p:txBody>
-      </p:sp>
-      <p:sp>
-        <p:nvSpPr>
-          <p:cNvPr id="20" name="Rectangle 19">
-            <a:extLst>
-              <a:ext uri="{FF2B5EF4-FFF2-40B4-BE49-F238E27FC236}">
-                <a16:creationId xmlns:a16="http://schemas.microsoft.com/office/drawing/2014/main" id="{C8CBE97B-8A09-465A-8DE0-C238EEB13126}"/>
-              </a:ext>
-            </a:extLst>
-          </p:cNvPr>
-          <p:cNvSpPr/>
-          <p:nvPr/>
-        </p:nvSpPr>
-        <p:spPr>
-          <a:xfrm>
-            <a:off x="304800" y="1828800"/>
-            <a:ext cx="8686799" cy="5029199"/>
-          </a:xfrm>
-          <a:prstGeom prst="rect">
-            <a:avLst/>
-          </a:prstGeom>
-        </p:spPr>
-        <p:txBody>
-          <a:bodyPr wrap="square" lIns="0" tIns="0" rIns="0" bIns="0" anchor="t" anchorCtr="0">
-            <a:noAutofit/>
-          </a:bodyPr>
-          <a:lstStyle/>
-          <a:p>
-            <a:r>
-              <a:rPr lang="en-IN" dirty="0"/>
-              <a:t>The lessor is entitled to receive royalty from the lessee here royalty would be an income to the lessor. The entries would therefore be the reverse of those made in the in the lessee’ books. </a:t>
-            </a:r>
-            <a:endParaRPr lang="en-IN" sz="1200" dirty="0">
-              <a:solidFill>
-                <a:schemeClr val="bg2"/>
-              </a:solidFill>
-              <a:latin typeface="Segoe UI" panose="020B0502040204020203" pitchFamily="34" charset="0"/>
-              <a:cs typeface="Segoe UI" panose="020B0502040204020203" pitchFamily="34" charset="0"/>
-            </a:endParaRPr>
-          </a:p>
-          <a:p>
-            <a:endParaRPr lang="en-IN" sz="1200" dirty="0">
-              <a:solidFill>
-                <a:schemeClr val="bg2"/>
-              </a:solidFill>
-              <a:latin typeface="Segoe UI" panose="020B0502040204020203" pitchFamily="34" charset="0"/>
-              <a:cs typeface="Segoe UI" panose="020B0502040204020203" pitchFamily="34" charset="0"/>
-            </a:endParaRPr>
-          </a:p>
-          <a:p>
-            <a:endParaRPr lang="en-US" sz="1200" dirty="0">
-              <a:solidFill>
-                <a:schemeClr val="bg1"/>
-              </a:solidFill>
-              <a:latin typeface="Segoe UI" panose="020B0502040204020203" pitchFamily="34" charset="0"/>
-              <a:cs typeface="Segoe UI" panose="020B0502040204020203" pitchFamily="34" charset="0"/>
-            </a:endParaRPr>
-          </a:p>
-        </p:txBody>
-      </p:sp>
-      <p:sp>
-        <p:nvSpPr>
-          <p:cNvPr id="21" name="Rectangle 20">
-            <a:extLst>
-              <a:ext uri="{FF2B5EF4-FFF2-40B4-BE49-F238E27FC236}">
-                <a16:creationId xmlns:a16="http://schemas.microsoft.com/office/drawing/2014/main" id="{D23118AC-084F-4C68-B95F-0EC13530F94C}"/>
-              </a:ext>
-            </a:extLst>
-          </p:cNvPr>
-          <p:cNvSpPr/>
-          <p:nvPr/>
-        </p:nvSpPr>
-        <p:spPr>
-          <a:xfrm>
-            <a:off x="6149914" y="2782019"/>
-            <a:ext cx="2677716" cy="2474885"/>
-          </a:xfrm>
-          <a:prstGeom prst="rect">
-            <a:avLst/>
-          </a:prstGeom>
-        </p:spPr>
-        <p:txBody>
-          <a:bodyPr wrap="square" lIns="0" tIns="0" rIns="0" bIns="0" anchor="t" anchorCtr="0">
-            <a:noAutofit/>
-          </a:bodyPr>
-          <a:lstStyle/>
-          <a:p>
-            <a:pPr marL="257175" indent="-257175">
-              <a:spcAft>
-                <a:spcPts val="1350"/>
-              </a:spcAft>
-              <a:buClr>
-                <a:srgbClr val="70AD47"/>
-              </a:buClr>
-              <a:buFont typeface="Arial" panose="020B0604020202020204" pitchFamily="34" charset="0"/>
-              <a:buChar char="•"/>
-            </a:pPr>
-            <a:endParaRPr lang="en-US" sz="1600" dirty="0">
-              <a:latin typeface="Segoe UI" panose="020B0502040204020203" pitchFamily="34" charset="0"/>
-              <a:cs typeface="Segoe UI" panose="020B0502040204020203" pitchFamily="34" charset="0"/>
-            </a:endParaRPr>
-          </a:p>
-        </p:txBody>
-      </p:sp>
-    </p:spTree>
-    <p:extLst>
-      <p:ext uri="{BB962C8B-B14F-4D97-AF65-F5344CB8AC3E}">
-        <p14:creationId xmlns:p14="http://schemas.microsoft.com/office/powerpoint/2010/main" val="2407597228"/>
-      </p:ext>
-    </p:extLst>
-  </p:cSld>
-  <p:clrMapOvr>
-    <a:masterClrMapping/>
-  </p:clrMapOvr>
-  <p:timing>
-    <p:tnLst>
-      <p:par>
-        <p:cTn id="1" dur="indefinite" restart="never" nodeType="tmRoot"/>
-      </p:par>
-    </p:tnLst>
-  </p:timing>
-</p:sld>
-</file>
-
-<file path=ppt/slides/slide8.xml><?xml version="1.0" encoding="utf-8"?>
-<p:sld xmlns:a="http://schemas.openxmlformats.org/drawingml/2006/main" xmlns:r="http://schemas.openxmlformats.org/officeDocument/2006/relationships" xmlns:p="http://schemas.openxmlformats.org/presentationml/2006/main">
-  <p:cSld>
-    <p:spTree>
-      <p:nvGrpSpPr>
-        <p:cNvPr id="1" name=""/>
-        <p:cNvGrpSpPr/>
-        <p:nvPr/>
-      </p:nvGrpSpPr>
-      <p:grpSpPr>
-        <a:xfrm>
-          <a:off x="0" y="0"/>
-          <a:ext cx="0" cy="0"/>
-          <a:chOff x="0" y="0"/>
-          <a:chExt cx="0" cy="0"/>
-        </a:xfrm>
-      </p:grpSpPr>
-      <p:graphicFrame>
-        <p:nvGraphicFramePr>
-          <p:cNvPr id="11" name="Object 10" hidden="1">
-            <a:extLst>
-              <a:ext uri="{FF2B5EF4-FFF2-40B4-BE49-F238E27FC236}">
-                <a16:creationId xmlns:a16="http://schemas.microsoft.com/office/drawing/2014/main" id="{A49AAF06-B86C-48F9-94EE-63373399CFC0}"/>
-              </a:ext>
-            </a:extLst>
-          </p:cNvPr>
-          <p:cNvGraphicFramePr>
-            <a:graphicFrameLocks noChangeAspect="1"/>
-          </p:cNvGraphicFramePr>
-          <p:nvPr>
-            <p:custDataLst>
-              <p:tags r:id="rId2"/>
-            </p:custDataLst>
-            <p:extLst/>
-          </p:nvPr>
-        </p:nvGraphicFramePr>
-        <p:xfrm>
-          <a:off x="1191" y="858441"/>
-          <a:ext cx="1191" cy="1191"/>
-        </p:xfrm>
-        <a:graphic>
-          <a:graphicData uri="http://schemas.openxmlformats.org/presentationml/2006/ole">
-            <mc:AlternateContent xmlns:mc="http://schemas.openxmlformats.org/markup-compatibility/2006">
-              <mc:Choice xmlns:v="urn:schemas-microsoft-com:vml" Requires="v">
-                <p:oleObj spid="_x0000_s3082" name="think-cell Slide" r:id="rId5" imgW="383" imgH="384" progId="TCLayout.ActiveDocument.1">
-                  <p:embed/>
-                </p:oleObj>
-              </mc:Choice>
-              <mc:Fallback>
-                <p:oleObj name="think-cell Slide" r:id="rId5" imgW="383" imgH="384" progId="TCLayout.ActiveDocument.1">
-                  <p:embed/>
-                  <p:pic>
-                    <p:nvPicPr>
-                      <p:cNvPr id="11" name="Object 10" hidden="1">
-                        <a:extLst>
-                          <a:ext uri="{FF2B5EF4-FFF2-40B4-BE49-F238E27FC236}">
-                            <a16:creationId xmlns:a16="http://schemas.microsoft.com/office/drawing/2014/main" id="{A49AAF06-B86C-48F9-94EE-63373399CFC0}"/>
-                          </a:ext>
-                        </a:extLst>
-                      </p:cNvPr>
-                      <p:cNvPicPr/>
-                      <p:nvPr/>
-                    </p:nvPicPr>
-                    <p:blipFill>
-                      <a:blip r:embed="rId6"/>
-                      <a:stretch>
-                        <a:fillRect/>
-                      </a:stretch>
-                    </p:blipFill>
-                    <p:spPr>
-                      <a:xfrm>
-                        <a:off x="1191" y="858441"/>
-                        <a:ext cx="1191" cy="1191"/>
-                      </a:xfrm>
-                      <a:prstGeom prst="rect">
-                        <a:avLst/>
-                      </a:prstGeom>
-                    </p:spPr>
-                  </p:pic>
-                </p:oleObj>
-              </mc:Fallback>
-            </mc:AlternateContent>
-          </a:graphicData>
-        </a:graphic>
-      </p:graphicFrame>
-      <p:sp>
-        <p:nvSpPr>
-          <p:cNvPr id="2" name="Title 1">
-            <a:extLst>
-              <a:ext uri="{FF2B5EF4-FFF2-40B4-BE49-F238E27FC236}">
-                <a16:creationId xmlns:a16="http://schemas.microsoft.com/office/drawing/2014/main" id="{38EBE480-02A9-48F2-9552-6B6C7A6D0ED2}"/>
-              </a:ext>
-            </a:extLst>
-          </p:cNvPr>
-          <p:cNvSpPr>
-            <a:spLocks noGrp="1"/>
-          </p:cNvSpPr>
-          <p:nvPr>
-            <p:ph type="title"/>
-          </p:nvPr>
-        </p:nvSpPr>
-        <p:spPr>
-          <a:xfrm>
-            <a:off x="-15240" y="457200"/>
-            <a:ext cx="9159239" cy="6400799"/>
-          </a:xfrm>
-        </p:spPr>
-        <p:txBody>
-          <a:bodyPr vert="horz">
-            <a:normAutofit/>
-          </a:bodyPr>
-          <a:lstStyle/>
-          <a:p>
-            <a:r>
-              <a:rPr lang="en-US" sz="2400" dirty="0" smtClean="0"/>
-              <a:t>							</a:t>
-            </a:r>
-            <a:br>
-              <a:rPr lang="en-US" sz="2400" dirty="0" smtClean="0"/>
-            </a:br>
-            <a:r>
-              <a:rPr lang="en-US" sz="2400" dirty="0"/>
-              <a:t/>
-            </a:r>
-            <a:br>
-              <a:rPr lang="en-US" sz="2400" dirty="0"/>
-            </a:br>
-            <a:r>
-              <a:rPr lang="en-US" sz="2400" dirty="0" smtClean="0"/>
-              <a:t/>
-            </a:r>
-            <a:br>
-              <a:rPr lang="en-US" sz="2400" dirty="0" smtClean="0"/>
-            </a:br>
-            <a:r>
-              <a:rPr lang="en-US" sz="2400" dirty="0"/>
-              <a:t/>
-            </a:r>
-            <a:br>
-              <a:rPr lang="en-US" sz="2400" dirty="0"/>
-            </a:br>
-            <a:r>
-              <a:rPr lang="en-US" sz="2400" dirty="0" smtClean="0"/>
-              <a:t/>
-            </a:r>
-            <a:br>
-              <a:rPr lang="en-US" sz="2400" dirty="0" smtClean="0"/>
-            </a:br>
-            <a:r>
-              <a:rPr lang="en-US" sz="2400" dirty="0"/>
-              <a:t>	</a:t>
-            </a:r>
-            <a:r>
-              <a:rPr lang="en-US" sz="2400" dirty="0" smtClean="0"/>
-              <a:t>						Thank You</a:t>
-            </a:r>
-            <a:endParaRPr lang="en-US" sz="2400" dirty="0"/>
-          </a:p>
-        </p:txBody>
-      </p:sp>
-      <p:sp>
-        <p:nvSpPr>
-          <p:cNvPr id="4" name="Slide Number Placeholder 3">
-            <a:extLst>
-              <a:ext uri="{FF2B5EF4-FFF2-40B4-BE49-F238E27FC236}">
-                <a16:creationId xmlns:a16="http://schemas.microsoft.com/office/drawing/2014/main" id="{CC107013-A358-417F-A917-9050EF824AE3}"/>
-              </a:ext>
-            </a:extLst>
-          </p:cNvPr>
-          <p:cNvSpPr>
-            <a:spLocks noGrp="1"/>
-          </p:cNvSpPr>
-          <p:nvPr>
-            <p:ph type="sldNum" sz="quarter" idx="12"/>
-          </p:nvPr>
-        </p:nvSpPr>
-        <p:spPr/>
-        <p:txBody>
-          <a:bodyPr/>
-          <a:lstStyle/>
-          <a:p>
-            <a:fld id="{97019847-F5C6-4FA6-BEBE-1B1AD729EBDF}" type="slidenum">
-              <a:rPr lang="en-US" smtClean="0"/>
-              <a:t>8</a:t>
             </a:fld>
             <a:endParaRPr lang="en-US" dirty="0"/>
           </a:p>
